--- a/FACTURACION ELECTRONICA.pptx
+++ b/FACTURACION ELECTRONICA.pptx
@@ -35,9 +35,14 @@
     <p:sldId id="283" r:id="rId29"/>
     <p:sldId id="284" r:id="rId30"/>
     <p:sldId id="285" r:id="rId31"/>
-    <p:sldId id="286" r:id="rId32"/>
-    <p:sldId id="287" r:id="rId33"/>
-    <p:sldId id="288" r:id="rId34"/>
+    <p:sldId id="289" r:id="rId32"/>
+    <p:sldId id="290" r:id="rId33"/>
+    <p:sldId id="286" r:id="rId34"/>
+    <p:sldId id="291" r:id="rId35"/>
+    <p:sldId id="292" r:id="rId36"/>
+    <p:sldId id="293" r:id="rId37"/>
+    <p:sldId id="287" r:id="rId38"/>
+    <p:sldId id="288" r:id="rId39"/>
   </p:sldIdLst>
   <p:sldSz cx="12192000" cy="6858000"/>
   <p:notesSz cx="6858000" cy="9144000"/>
@@ -291,7 +296,7 @@
           <a:p>
             <a:fld id="{7BB98E8E-D65A-4F10-A5B1-F2AA70FE033C}" type="datetimeFigureOut">
               <a:rPr lang="en-US" smtClean="0"/>
-              <a:t>5/20/2025</a:t>
+              <a:t>5/28/2025</a:t>
             </a:fld>
             <a:endParaRPr lang="en-US"/>
           </a:p>
@@ -489,7 +494,7 @@
           <a:p>
             <a:fld id="{7BB98E8E-D65A-4F10-A5B1-F2AA70FE033C}" type="datetimeFigureOut">
               <a:rPr lang="en-US" smtClean="0"/>
-              <a:t>5/20/2025</a:t>
+              <a:t>5/28/2025</a:t>
             </a:fld>
             <a:endParaRPr lang="en-US"/>
           </a:p>
@@ -697,7 +702,7 @@
           <a:p>
             <a:fld id="{7BB98E8E-D65A-4F10-A5B1-F2AA70FE033C}" type="datetimeFigureOut">
               <a:rPr lang="en-US" smtClean="0"/>
-              <a:t>5/20/2025</a:t>
+              <a:t>5/28/2025</a:t>
             </a:fld>
             <a:endParaRPr lang="en-US"/>
           </a:p>
@@ -895,7 +900,7 @@
           <a:p>
             <a:fld id="{7BB98E8E-D65A-4F10-A5B1-F2AA70FE033C}" type="datetimeFigureOut">
               <a:rPr lang="en-US" smtClean="0"/>
-              <a:t>5/20/2025</a:t>
+              <a:t>5/28/2025</a:t>
             </a:fld>
             <a:endParaRPr lang="en-US"/>
           </a:p>
@@ -1170,7 +1175,7 @@
           <a:p>
             <a:fld id="{7BB98E8E-D65A-4F10-A5B1-F2AA70FE033C}" type="datetimeFigureOut">
               <a:rPr lang="en-US" smtClean="0"/>
-              <a:t>5/20/2025</a:t>
+              <a:t>5/28/2025</a:t>
             </a:fld>
             <a:endParaRPr lang="en-US"/>
           </a:p>
@@ -1435,7 +1440,7 @@
           <a:p>
             <a:fld id="{7BB98E8E-D65A-4F10-A5B1-F2AA70FE033C}" type="datetimeFigureOut">
               <a:rPr lang="en-US" smtClean="0"/>
-              <a:t>5/20/2025</a:t>
+              <a:t>5/28/2025</a:t>
             </a:fld>
             <a:endParaRPr lang="en-US"/>
           </a:p>
@@ -1847,7 +1852,7 @@
           <a:p>
             <a:fld id="{7BB98E8E-D65A-4F10-A5B1-F2AA70FE033C}" type="datetimeFigureOut">
               <a:rPr lang="en-US" smtClean="0"/>
-              <a:t>5/20/2025</a:t>
+              <a:t>5/28/2025</a:t>
             </a:fld>
             <a:endParaRPr lang="en-US"/>
           </a:p>
@@ -1988,7 +1993,7 @@
           <a:p>
             <a:fld id="{7BB98E8E-D65A-4F10-A5B1-F2AA70FE033C}" type="datetimeFigureOut">
               <a:rPr lang="en-US" smtClean="0"/>
-              <a:t>5/20/2025</a:t>
+              <a:t>5/28/2025</a:t>
             </a:fld>
             <a:endParaRPr lang="en-US"/>
           </a:p>
@@ -2101,7 +2106,7 @@
           <a:p>
             <a:fld id="{7BB98E8E-D65A-4F10-A5B1-F2AA70FE033C}" type="datetimeFigureOut">
               <a:rPr lang="en-US" smtClean="0"/>
-              <a:t>5/20/2025</a:t>
+              <a:t>5/28/2025</a:t>
             </a:fld>
             <a:endParaRPr lang="en-US"/>
           </a:p>
@@ -2412,7 +2417,7 @@
           <a:p>
             <a:fld id="{7BB98E8E-D65A-4F10-A5B1-F2AA70FE033C}" type="datetimeFigureOut">
               <a:rPr lang="en-US" smtClean="0"/>
-              <a:t>5/20/2025</a:t>
+              <a:t>5/28/2025</a:t>
             </a:fld>
             <a:endParaRPr lang="en-US"/>
           </a:p>
@@ -2700,7 +2705,7 @@
           <a:p>
             <a:fld id="{7BB98E8E-D65A-4F10-A5B1-F2AA70FE033C}" type="datetimeFigureOut">
               <a:rPr lang="en-US" smtClean="0"/>
-              <a:t>5/20/2025</a:t>
+              <a:t>5/28/2025</a:t>
             </a:fld>
             <a:endParaRPr lang="en-US"/>
           </a:p>
@@ -2941,7 +2946,7 @@
           <a:p>
             <a:fld id="{7BB98E8E-D65A-4F10-A5B1-F2AA70FE033C}" type="datetimeFigureOut">
               <a:rPr lang="en-US" smtClean="0"/>
-              <a:t>5/20/2025</a:t>
+              <a:t>5/28/2025</a:t>
             </a:fld>
             <a:endParaRPr lang="en-US"/>
           </a:p>
@@ -3407,7 +3412,10 @@
           <a:bodyPr/>
           <a:lstStyle/>
           <a:p>
-            <a:endParaRPr lang="en-US"/>
+            <a:r>
+              <a:rPr lang="en-US"/>
+              <a:t>MAYO 21/2025</a:t>
+            </a:r>
           </a:p>
         </p:txBody>
       </p:sp>
@@ -4583,6 +4591,36 @@
           <a:chExt cx="0" cy="0"/>
         </a:xfrm>
       </p:grpSpPr>
+      <p:pic>
+        <p:nvPicPr>
+          <p:cNvPr id="3" name="Picture 2">
+            <a:extLst>
+              <a:ext uri="{FF2B5EF4-FFF2-40B4-BE49-F238E27FC236}">
+                <a16:creationId xmlns:a16="http://schemas.microsoft.com/office/drawing/2014/main" id="{52571010-8483-7BB3-B0C4-EE497FAF3F0A}"/>
+              </a:ext>
+            </a:extLst>
+          </p:cNvPr>
+          <p:cNvPicPr>
+            <a:picLocks noChangeAspect="1"/>
+          </p:cNvPicPr>
+          <p:nvPr/>
+        </p:nvPicPr>
+        <p:blipFill>
+          <a:blip r:embed="rId2"/>
+          <a:stretch>
+            <a:fillRect/>
+          </a:stretch>
+        </p:blipFill>
+        <p:spPr>
+          <a:xfrm>
+            <a:off x="0" y="180180"/>
+            <a:ext cx="12192000" cy="6497640"/>
+          </a:xfrm>
+          <a:prstGeom prst="rect">
+            <a:avLst/>
+          </a:prstGeom>
+        </p:spPr>
+      </p:pic>
     </p:spTree>
     <p:extLst>
       <p:ext uri="{BB962C8B-B14F-4D97-AF65-F5344CB8AC3E}">
@@ -4613,6 +4651,78 @@
           <a:chExt cx="0" cy="0"/>
         </a:xfrm>
       </p:grpSpPr>
+      <p:sp>
+        <p:nvSpPr>
+          <p:cNvPr id="2" name="TextBox 1">
+            <a:extLst>
+              <a:ext uri="{FF2B5EF4-FFF2-40B4-BE49-F238E27FC236}">
+                <a16:creationId xmlns:a16="http://schemas.microsoft.com/office/drawing/2014/main" id="{231A6804-27E9-3D96-D1C9-58D8EFA2FA84}"/>
+              </a:ext>
+            </a:extLst>
+          </p:cNvPr>
+          <p:cNvSpPr txBox="1"/>
+          <p:nvPr/>
+        </p:nvSpPr>
+        <p:spPr>
+          <a:xfrm>
+            <a:off x="1871003" y="1406769"/>
+            <a:ext cx="8440615" cy="1477328"/>
+          </a:xfrm>
+          <a:prstGeom prst="rect">
+            <a:avLst/>
+          </a:prstGeom>
+          <a:noFill/>
+        </p:spPr>
+        <p:txBody>
+          <a:bodyPr wrap="square" rtlCol="0">
+            <a:spAutoFit/>
+          </a:bodyPr>
+          <a:lstStyle/>
+          <a:p>
+            <a:r>
+              <a:rPr lang="en-US" dirty="0"/>
+              <a:t>ASIGNAR VALORES SEMILLA A LAS TABLAS:</a:t>
+            </a:r>
+          </a:p>
+          <a:p>
+            <a:pPr marL="285750" indent="-285750">
+              <a:buFontTx/>
+              <a:buChar char="-"/>
+            </a:pPr>
+            <a:r>
+              <a:rPr lang="en-US" dirty="0"/>
+              <a:t>FORMA DE PAGO</a:t>
+            </a:r>
+          </a:p>
+          <a:p>
+            <a:pPr marL="285750" indent="-285750">
+              <a:buFontTx/>
+              <a:buChar char="-"/>
+            </a:pPr>
+            <a:r>
+              <a:rPr lang="en-US" dirty="0"/>
+              <a:t>USO DE CFDI</a:t>
+            </a:r>
+          </a:p>
+          <a:p>
+            <a:pPr marL="285750" indent="-285750">
+              <a:buFontTx/>
+              <a:buChar char="-"/>
+            </a:pPr>
+            <a:r>
+              <a:rPr lang="en-US" dirty="0"/>
+              <a:t>METODO DE PAGO</a:t>
+            </a:r>
+          </a:p>
+          <a:p>
+            <a:pPr marL="285750" indent="-285750">
+              <a:buFontTx/>
+              <a:buChar char="-"/>
+            </a:pPr>
+            <a:endParaRPr lang="en-US" dirty="0"/>
+          </a:p>
+        </p:txBody>
+      </p:sp>
     </p:spTree>
     <p:extLst>
       <p:ext uri="{BB962C8B-B14F-4D97-AF65-F5344CB8AC3E}">
@@ -4643,6 +4753,36 @@
           <a:chExt cx="0" cy="0"/>
         </a:xfrm>
       </p:grpSpPr>
+      <p:pic>
+        <p:nvPicPr>
+          <p:cNvPr id="3" name="Picture 2">
+            <a:extLst>
+              <a:ext uri="{FF2B5EF4-FFF2-40B4-BE49-F238E27FC236}">
+                <a16:creationId xmlns:a16="http://schemas.microsoft.com/office/drawing/2014/main" id="{589FD3DE-732A-9957-5C41-0999A3DF6CF9}"/>
+              </a:ext>
+            </a:extLst>
+          </p:cNvPr>
+          <p:cNvPicPr>
+            <a:picLocks noChangeAspect="1"/>
+          </p:cNvPicPr>
+          <p:nvPr/>
+        </p:nvPicPr>
+        <p:blipFill>
+          <a:blip r:embed="rId2"/>
+          <a:stretch>
+            <a:fillRect/>
+          </a:stretch>
+        </p:blipFill>
+        <p:spPr>
+          <a:xfrm>
+            <a:off x="0" y="180180"/>
+            <a:ext cx="12192000" cy="6497640"/>
+          </a:xfrm>
+          <a:prstGeom prst="rect">
+            <a:avLst/>
+          </a:prstGeom>
+        </p:spPr>
+      </p:pic>
     </p:spTree>
     <p:extLst>
       <p:ext uri="{BB962C8B-B14F-4D97-AF65-F5344CB8AC3E}">
@@ -4733,6 +4873,36 @@
           <a:chExt cx="0" cy="0"/>
         </a:xfrm>
       </p:grpSpPr>
+      <p:pic>
+        <p:nvPicPr>
+          <p:cNvPr id="3" name="Picture 2">
+            <a:extLst>
+              <a:ext uri="{FF2B5EF4-FFF2-40B4-BE49-F238E27FC236}">
+                <a16:creationId xmlns:a16="http://schemas.microsoft.com/office/drawing/2014/main" id="{9042305C-1A0A-6B82-0F43-99557B062A55}"/>
+              </a:ext>
+            </a:extLst>
+          </p:cNvPr>
+          <p:cNvPicPr>
+            <a:picLocks noChangeAspect="1"/>
+          </p:cNvPicPr>
+          <p:nvPr/>
+        </p:nvPicPr>
+        <p:blipFill>
+          <a:blip r:embed="rId2"/>
+          <a:stretch>
+            <a:fillRect/>
+          </a:stretch>
+        </p:blipFill>
+        <p:spPr>
+          <a:xfrm>
+            <a:off x="0" y="180180"/>
+            <a:ext cx="12192000" cy="6497640"/>
+          </a:xfrm>
+          <a:prstGeom prst="rect">
+            <a:avLst/>
+          </a:prstGeom>
+        </p:spPr>
+      </p:pic>
     </p:spTree>
     <p:extLst>
       <p:ext uri="{BB962C8B-B14F-4D97-AF65-F5344CB8AC3E}">
@@ -4763,6 +4933,156 @@
           <a:chExt cx="0" cy="0"/>
         </a:xfrm>
       </p:grpSpPr>
+      <p:pic>
+        <p:nvPicPr>
+          <p:cNvPr id="3" name="Picture 2">
+            <a:extLst>
+              <a:ext uri="{FF2B5EF4-FFF2-40B4-BE49-F238E27FC236}">
+                <a16:creationId xmlns:a16="http://schemas.microsoft.com/office/drawing/2014/main" id="{F340DB7A-2728-51F5-2015-6A8F701A046D}"/>
+              </a:ext>
+            </a:extLst>
+          </p:cNvPr>
+          <p:cNvPicPr>
+            <a:picLocks noChangeAspect="1"/>
+          </p:cNvPicPr>
+          <p:nvPr/>
+        </p:nvPicPr>
+        <p:blipFill>
+          <a:blip r:embed="rId2"/>
+          <a:stretch>
+            <a:fillRect/>
+          </a:stretch>
+        </p:blipFill>
+        <p:spPr>
+          <a:xfrm>
+            <a:off x="0" y="180180"/>
+            <a:ext cx="12192000" cy="6497640"/>
+          </a:xfrm>
+          <a:prstGeom prst="rect">
+            <a:avLst/>
+          </a:prstGeom>
+        </p:spPr>
+      </p:pic>
+    </p:spTree>
+    <p:extLst>
+      <p:ext uri="{BB962C8B-B14F-4D97-AF65-F5344CB8AC3E}">
+        <p14:creationId xmlns:p14="http://schemas.microsoft.com/office/powerpoint/2010/main" val="970725676"/>
+      </p:ext>
+    </p:extLst>
+  </p:cSld>
+  <p:clrMapOvr>
+    <a:masterClrMapping/>
+  </p:clrMapOvr>
+</p:sld>
+</file>
+
+<file path=ppt/slides/slide32.xml><?xml version="1.0" encoding="utf-8"?>
+<p:sld xmlns:a="http://schemas.openxmlformats.org/drawingml/2006/main" xmlns:r="http://schemas.openxmlformats.org/officeDocument/2006/relationships" xmlns:p="http://schemas.openxmlformats.org/presentationml/2006/main">
+  <p:cSld>
+    <p:spTree>
+      <p:nvGrpSpPr>
+        <p:cNvPr id="1" name=""/>
+        <p:cNvGrpSpPr/>
+        <p:nvPr/>
+      </p:nvGrpSpPr>
+      <p:grpSpPr>
+        <a:xfrm>
+          <a:off x="0" y="0"/>
+          <a:ext cx="0" cy="0"/>
+          <a:chOff x="0" y="0"/>
+          <a:chExt cx="0" cy="0"/>
+        </a:xfrm>
+      </p:grpSpPr>
+      <p:pic>
+        <p:nvPicPr>
+          <p:cNvPr id="3" name="Picture 2">
+            <a:extLst>
+              <a:ext uri="{FF2B5EF4-FFF2-40B4-BE49-F238E27FC236}">
+                <a16:creationId xmlns:a16="http://schemas.microsoft.com/office/drawing/2014/main" id="{462E58EC-8D12-F0B8-7CFF-B5CE59BA8C6E}"/>
+              </a:ext>
+            </a:extLst>
+          </p:cNvPr>
+          <p:cNvPicPr>
+            <a:picLocks noChangeAspect="1"/>
+          </p:cNvPicPr>
+          <p:nvPr/>
+        </p:nvPicPr>
+        <p:blipFill>
+          <a:blip r:embed="rId2"/>
+          <a:stretch>
+            <a:fillRect/>
+          </a:stretch>
+        </p:blipFill>
+        <p:spPr>
+          <a:xfrm>
+            <a:off x="0" y="180180"/>
+            <a:ext cx="12192000" cy="6497640"/>
+          </a:xfrm>
+          <a:prstGeom prst="rect">
+            <a:avLst/>
+          </a:prstGeom>
+        </p:spPr>
+      </p:pic>
+    </p:spTree>
+    <p:extLst>
+      <p:ext uri="{BB962C8B-B14F-4D97-AF65-F5344CB8AC3E}">
+        <p14:creationId xmlns:p14="http://schemas.microsoft.com/office/powerpoint/2010/main" val="639349118"/>
+      </p:ext>
+    </p:extLst>
+  </p:cSld>
+  <p:clrMapOvr>
+    <a:masterClrMapping/>
+  </p:clrMapOvr>
+</p:sld>
+</file>
+
+<file path=ppt/slides/slide33.xml><?xml version="1.0" encoding="utf-8"?>
+<p:sld xmlns:a="http://schemas.openxmlformats.org/drawingml/2006/main" xmlns:r="http://schemas.openxmlformats.org/officeDocument/2006/relationships" xmlns:p="http://schemas.openxmlformats.org/presentationml/2006/main">
+  <p:cSld>
+    <p:spTree>
+      <p:nvGrpSpPr>
+        <p:cNvPr id="1" name=""/>
+        <p:cNvGrpSpPr/>
+        <p:nvPr/>
+      </p:nvGrpSpPr>
+      <p:grpSpPr>
+        <a:xfrm>
+          <a:off x="0" y="0"/>
+          <a:ext cx="0" cy="0"/>
+          <a:chOff x="0" y="0"/>
+          <a:chExt cx="0" cy="0"/>
+        </a:xfrm>
+      </p:grpSpPr>
+      <p:pic>
+        <p:nvPicPr>
+          <p:cNvPr id="3" name="Picture 2">
+            <a:extLst>
+              <a:ext uri="{FF2B5EF4-FFF2-40B4-BE49-F238E27FC236}">
+                <a16:creationId xmlns:a16="http://schemas.microsoft.com/office/drawing/2014/main" id="{8EBE5F55-8E75-9972-AB4E-AD33ECDC4558}"/>
+              </a:ext>
+            </a:extLst>
+          </p:cNvPr>
+          <p:cNvPicPr>
+            <a:picLocks noChangeAspect="1"/>
+          </p:cNvPicPr>
+          <p:nvPr/>
+        </p:nvPicPr>
+        <p:blipFill>
+          <a:blip r:embed="rId2"/>
+          <a:stretch>
+            <a:fillRect/>
+          </a:stretch>
+        </p:blipFill>
+        <p:spPr>
+          <a:xfrm>
+            <a:off x="0" y="180180"/>
+            <a:ext cx="12192000" cy="6497640"/>
+          </a:xfrm>
+          <a:prstGeom prst="rect">
+            <a:avLst/>
+          </a:prstGeom>
+        </p:spPr>
+      </p:pic>
     </p:spTree>
     <p:extLst>
       <p:ext uri="{BB962C8B-B14F-4D97-AF65-F5344CB8AC3E}">
@@ -4776,7 +5096,97 @@
 </p:sld>
 </file>
 
-<file path=ppt/slides/slide32.xml><?xml version="1.0" encoding="utf-8"?>
+<file path=ppt/slides/slide34.xml><?xml version="1.0" encoding="utf-8"?>
+<p:sld xmlns:a="http://schemas.openxmlformats.org/drawingml/2006/main" xmlns:r="http://schemas.openxmlformats.org/officeDocument/2006/relationships" xmlns:p="http://schemas.openxmlformats.org/presentationml/2006/main">
+  <p:cSld>
+    <p:spTree>
+      <p:nvGrpSpPr>
+        <p:cNvPr id="1" name=""/>
+        <p:cNvGrpSpPr/>
+        <p:nvPr/>
+      </p:nvGrpSpPr>
+      <p:grpSpPr>
+        <a:xfrm>
+          <a:off x="0" y="0"/>
+          <a:ext cx="0" cy="0"/>
+          <a:chOff x="0" y="0"/>
+          <a:chExt cx="0" cy="0"/>
+        </a:xfrm>
+      </p:grpSpPr>
+    </p:spTree>
+    <p:extLst>
+      <p:ext uri="{BB962C8B-B14F-4D97-AF65-F5344CB8AC3E}">
+        <p14:creationId xmlns:p14="http://schemas.microsoft.com/office/powerpoint/2010/main" val="2896563305"/>
+      </p:ext>
+    </p:extLst>
+  </p:cSld>
+  <p:clrMapOvr>
+    <a:masterClrMapping/>
+  </p:clrMapOvr>
+</p:sld>
+</file>
+
+<file path=ppt/slides/slide35.xml><?xml version="1.0" encoding="utf-8"?>
+<p:sld xmlns:a="http://schemas.openxmlformats.org/drawingml/2006/main" xmlns:r="http://schemas.openxmlformats.org/officeDocument/2006/relationships" xmlns:p="http://schemas.openxmlformats.org/presentationml/2006/main">
+  <p:cSld>
+    <p:spTree>
+      <p:nvGrpSpPr>
+        <p:cNvPr id="1" name=""/>
+        <p:cNvGrpSpPr/>
+        <p:nvPr/>
+      </p:nvGrpSpPr>
+      <p:grpSpPr>
+        <a:xfrm>
+          <a:off x="0" y="0"/>
+          <a:ext cx="0" cy="0"/>
+          <a:chOff x="0" y="0"/>
+          <a:chExt cx="0" cy="0"/>
+        </a:xfrm>
+      </p:grpSpPr>
+    </p:spTree>
+    <p:extLst>
+      <p:ext uri="{BB962C8B-B14F-4D97-AF65-F5344CB8AC3E}">
+        <p14:creationId xmlns:p14="http://schemas.microsoft.com/office/powerpoint/2010/main" val="992740278"/>
+      </p:ext>
+    </p:extLst>
+  </p:cSld>
+  <p:clrMapOvr>
+    <a:masterClrMapping/>
+  </p:clrMapOvr>
+</p:sld>
+</file>
+
+<file path=ppt/slides/slide36.xml><?xml version="1.0" encoding="utf-8"?>
+<p:sld xmlns:a="http://schemas.openxmlformats.org/drawingml/2006/main" xmlns:r="http://schemas.openxmlformats.org/officeDocument/2006/relationships" xmlns:p="http://schemas.openxmlformats.org/presentationml/2006/main">
+  <p:cSld>
+    <p:spTree>
+      <p:nvGrpSpPr>
+        <p:cNvPr id="1" name=""/>
+        <p:cNvGrpSpPr/>
+        <p:nvPr/>
+      </p:nvGrpSpPr>
+      <p:grpSpPr>
+        <a:xfrm>
+          <a:off x="0" y="0"/>
+          <a:ext cx="0" cy="0"/>
+          <a:chOff x="0" y="0"/>
+          <a:chExt cx="0" cy="0"/>
+        </a:xfrm>
+      </p:grpSpPr>
+    </p:spTree>
+    <p:extLst>
+      <p:ext uri="{BB962C8B-B14F-4D97-AF65-F5344CB8AC3E}">
+        <p14:creationId xmlns:p14="http://schemas.microsoft.com/office/powerpoint/2010/main" val="3979653250"/>
+      </p:ext>
+    </p:extLst>
+  </p:cSld>
+  <p:clrMapOvr>
+    <a:masterClrMapping/>
+  </p:clrMapOvr>
+</p:sld>
+</file>
+
+<file path=ppt/slides/slide37.xml><?xml version="1.0" encoding="utf-8"?>
 <p:sld xmlns:a="http://schemas.openxmlformats.org/drawingml/2006/main" xmlns:r="http://schemas.openxmlformats.org/officeDocument/2006/relationships" xmlns:p="http://schemas.openxmlformats.org/presentationml/2006/main">
   <p:cSld>
     <p:spTree>
@@ -4806,7 +5216,7 @@
 </p:sld>
 </file>
 
-<file path=ppt/slides/slide33.xml><?xml version="1.0" encoding="utf-8"?>
+<file path=ppt/slides/slide38.xml><?xml version="1.0" encoding="utf-8"?>
 <p:sld xmlns:a="http://schemas.openxmlformats.org/drawingml/2006/main" xmlns:r="http://schemas.openxmlformats.org/officeDocument/2006/relationships" xmlns:p="http://schemas.openxmlformats.org/presentationml/2006/main">
   <p:cSld>
     <p:spTree>
